--- a/doc/SYSU Tower 项目介绍.pptx
+++ b/doc/SYSU Tower 项目介绍.pptx
@@ -108,6 +108,11 @@
       </a:defRPr>
     </a:lvl9pPr>
   </p:defaultTextStyle>
+  <p:extLst>
+    <p:ext uri="{EFAFB233-063F-42B5-8137-9DF3F51BA10A}">
+      <p15:sldGuideLst xmlns:p15="http://schemas.microsoft.com/office/powerpoint/2012/main"/>
+    </p:ext>
+  </p:extLst>
 </p:presentation>
 </file>
 
@@ -857,7 +862,7 @@
             <a:fld id="{B61BEF0D-F0BB-DE4B-95CE-6DB70DBA9567}" type="datetimeFigureOut">
               <a:rPr lang="en-US" dirty="0"/>
               <a:pPr/>
-              <a:t>5/21/2019</a:t>
+              <a:t>5/23/2019</a:t>
             </a:fld>
             <a:endParaRPr lang="en-US" dirty="0"/>
           </a:p>
@@ -1105,7 +1110,7 @@
             <a:fld id="{B61BEF0D-F0BB-DE4B-95CE-6DB70DBA9567}" type="datetimeFigureOut">
               <a:rPr lang="en-US" dirty="0"/>
               <a:pPr/>
-              <a:t>5/21/2019</a:t>
+              <a:t>5/23/2019</a:t>
             </a:fld>
             <a:endParaRPr lang="en-US" dirty="0"/>
           </a:p>
@@ -1416,7 +1421,7 @@
             <a:fld id="{B61BEF0D-F0BB-DE4B-95CE-6DB70DBA9567}" type="datetimeFigureOut">
               <a:rPr lang="en-US" dirty="0"/>
               <a:pPr/>
-              <a:t>5/21/2019</a:t>
+              <a:t>5/23/2019</a:t>
             </a:fld>
             <a:endParaRPr lang="en-US" dirty="0"/>
           </a:p>
@@ -1746,7 +1751,7 @@
             <a:fld id="{B61BEF0D-F0BB-DE4B-95CE-6DB70DBA9567}" type="datetimeFigureOut">
               <a:rPr lang="en-US" dirty="0"/>
               <a:pPr/>
-              <a:t>5/21/2019</a:t>
+              <a:t>5/23/2019</a:t>
             </a:fld>
             <a:endParaRPr lang="en-US" dirty="0"/>
           </a:p>
@@ -2057,7 +2062,7 @@
             <a:fld id="{B61BEF0D-F0BB-DE4B-95CE-6DB70DBA9567}" type="datetimeFigureOut">
               <a:rPr lang="en-US" dirty="0"/>
               <a:pPr/>
-              <a:t>5/21/2019</a:t>
+              <a:t>5/23/2019</a:t>
             </a:fld>
             <a:endParaRPr lang="en-US" dirty="0"/>
           </a:p>
@@ -2447,7 +2452,7 @@
             <a:fld id="{B61BEF0D-F0BB-DE4B-95CE-6DB70DBA9567}" type="datetimeFigureOut">
               <a:rPr lang="en-US" dirty="0"/>
               <a:pPr/>
-              <a:t>5/21/2019</a:t>
+              <a:t>5/23/2019</a:t>
             </a:fld>
             <a:endParaRPr lang="en-US" dirty="0"/>
           </a:p>
@@ -2613,7 +2618,7 @@
           <a:p>
             <a:fld id="{55C6B4A9-1611-4792-9094-5F34BCA07E0B}" type="datetimeFigureOut">
               <a:rPr lang="en-US" dirty="0"/>
-              <a:t>5/21/2019</a:t>
+              <a:t>5/23/2019</a:t>
             </a:fld>
             <a:endParaRPr lang="en-US" dirty="0"/>
           </a:p>
@@ -2789,7 +2794,7 @@
             <a:fld id="{B61BEF0D-F0BB-DE4B-95CE-6DB70DBA9567}" type="datetimeFigureOut">
               <a:rPr lang="en-US" dirty="0"/>
               <a:pPr/>
-              <a:t>5/21/2019</a:t>
+              <a:t>5/23/2019</a:t>
             </a:fld>
             <a:endParaRPr lang="en-US" dirty="0"/>
           </a:p>
@@ -2955,7 +2960,7 @@
           <a:p>
             <a:fld id="{42A54C80-263E-416B-A8E0-580EDEADCBDC}" type="datetimeFigureOut">
               <a:rPr lang="en-US" dirty="0"/>
-              <a:t>5/21/2019</a:t>
+              <a:t>5/23/2019</a:t>
             </a:fld>
             <a:endParaRPr lang="en-US" dirty="0"/>
           </a:p>
@@ -3198,7 +3203,7 @@
             <a:fld id="{B61BEF0D-F0BB-DE4B-95CE-6DB70DBA9567}" type="datetimeFigureOut">
               <a:rPr lang="en-US" dirty="0"/>
               <a:pPr/>
-              <a:t>5/21/2019</a:t>
+              <a:t>5/23/2019</a:t>
             </a:fld>
             <a:endParaRPr lang="en-US" dirty="0"/>
           </a:p>
@@ -3426,7 +3431,7 @@
           <a:p>
             <a:fld id="{42A54C80-263E-416B-A8E0-580EDEADCBDC}" type="datetimeFigureOut">
               <a:rPr lang="en-US" dirty="0"/>
-              <a:t>5/21/2019</a:t>
+              <a:t>5/23/2019</a:t>
             </a:fld>
             <a:endParaRPr lang="en-US" dirty="0"/>
           </a:p>
@@ -3796,7 +3801,7 @@
             <a:fld id="{B61BEF0D-F0BB-DE4B-95CE-6DB70DBA9567}" type="datetimeFigureOut">
               <a:rPr lang="en-US" dirty="0"/>
               <a:pPr/>
-              <a:t>5/21/2019</a:t>
+              <a:t>5/23/2019</a:t>
             </a:fld>
             <a:endParaRPr lang="en-US" dirty="0"/>
           </a:p>
@@ -3916,7 +3921,7 @@
             <a:fld id="{B61BEF0D-F0BB-DE4B-95CE-6DB70DBA9567}" type="datetimeFigureOut">
               <a:rPr lang="en-US" dirty="0"/>
               <a:pPr/>
-              <a:t>5/21/2019</a:t>
+              <a:t>5/23/2019</a:t>
             </a:fld>
             <a:endParaRPr lang="en-US" dirty="0"/>
           </a:p>
@@ -4008,7 +4013,7 @@
             <a:fld id="{B61BEF0D-F0BB-DE4B-95CE-6DB70DBA9567}" type="datetimeFigureOut">
               <a:rPr lang="en-US" dirty="0"/>
               <a:pPr/>
-              <a:t>5/21/2019</a:t>
+              <a:t>5/23/2019</a:t>
             </a:fld>
             <a:endParaRPr lang="en-US" dirty="0"/>
           </a:p>
@@ -4259,7 +4264,7 @@
           <a:p>
             <a:fld id="{42A54C80-263E-416B-A8E0-580EDEADCBDC}" type="datetimeFigureOut">
               <a:rPr lang="en-US" dirty="0"/>
-              <a:t>5/21/2019</a:t>
+              <a:t>5/23/2019</a:t>
             </a:fld>
             <a:endParaRPr lang="en-US" dirty="0"/>
           </a:p>
@@ -4561,7 +4566,7 @@
             <a:fld id="{B61BEF0D-F0BB-DE4B-95CE-6DB70DBA9567}" type="datetimeFigureOut">
               <a:rPr lang="en-US" dirty="0"/>
               <a:pPr/>
-              <a:t>5/21/2019</a:t>
+              <a:t>5/23/2019</a:t>
             </a:fld>
             <a:endParaRPr lang="en-US" dirty="0"/>
           </a:p>
@@ -5259,7 +5264,7 @@
             <a:fld id="{B61BEF0D-F0BB-DE4B-95CE-6DB70DBA9567}" type="datetimeFigureOut">
               <a:rPr lang="en-US" dirty="0"/>
               <a:pPr/>
-              <a:t>5/21/2019</a:t>
+              <a:t>5/23/2019</a:t>
             </a:fld>
             <a:endParaRPr lang="en-US" dirty="0"/>
           </a:p>
@@ -6064,6 +6069,19 @@
               </a:rPr>
               <a:t>搜索</a:t>
             </a:r>
+            <a:endParaRPr lang="en-US" altLang="zh-CN" sz="4800" b="1" dirty="0">
+              <a:latin typeface="仿宋" panose="02010609060101010101" pitchFamily="49" charset="-122"/>
+              <a:ea typeface="仿宋" panose="02010609060101010101" pitchFamily="49" charset="-122"/>
+            </a:endParaRPr>
+          </a:p>
+          <a:p>
+            <a:r>
+              <a:rPr lang="zh-CN" altLang="en-US" sz="4800" b="1" dirty="0">
+                <a:latin typeface="仿宋" panose="02010609060101010101" pitchFamily="49" charset="-122"/>
+                <a:ea typeface="仿宋" panose="02010609060101010101" pitchFamily="49" charset="-122"/>
+              </a:rPr>
+              <a:t>筛选</a:t>
+            </a:r>
           </a:p>
         </p:txBody>
       </p:sp>
@@ -6301,7 +6319,7 @@
         <p:spPr/>
         <p:txBody>
           <a:bodyPr>
-            <a:normAutofit lnSpcReduction="10000"/>
+            <a:normAutofit/>
           </a:bodyPr>
           <a:lstStyle/>
           <a:p>
@@ -6355,41 +6373,7 @@
                 <a:latin typeface="仿宋" panose="02010609060101010101" pitchFamily="49" charset="-122"/>
                 <a:ea typeface="仿宋" panose="02010609060101010101" pitchFamily="49" charset="-122"/>
               </a:rPr>
-              <a:t>爬虫：基于</a:t>
-            </a:r>
-            <a:r>
-              <a:rPr lang="en-US" altLang="zh-CN" sz="4400" b="1" dirty="0" err="1">
-                <a:latin typeface="仿宋" panose="02010609060101010101" pitchFamily="49" charset="-122"/>
-                <a:ea typeface="仿宋" panose="02010609060101010101" pitchFamily="49" charset="-122"/>
-              </a:rPr>
-              <a:t>Asyncio</a:t>
-            </a:r>
-            <a:r>
-              <a:rPr lang="zh-CN" altLang="en-US" sz="4400" b="1" dirty="0">
-                <a:latin typeface="仿宋" panose="02010609060101010101" pitchFamily="49" charset="-122"/>
-                <a:ea typeface="仿宋" panose="02010609060101010101" pitchFamily="49" charset="-122"/>
-              </a:rPr>
-              <a:t>的异步抓取</a:t>
-            </a:r>
-            <a:endParaRPr lang="en-US" altLang="zh-CN" sz="4400" b="1" dirty="0">
-              <a:latin typeface="仿宋" panose="02010609060101010101" pitchFamily="49" charset="-122"/>
-              <a:ea typeface="仿宋" panose="02010609060101010101" pitchFamily="49" charset="-122"/>
-            </a:endParaRPr>
-          </a:p>
-          <a:p>
-            <a:r>
-              <a:rPr lang="en-US" altLang="zh-CN" sz="4400" b="1" dirty="0">
-                <a:latin typeface="仿宋" panose="02010609060101010101" pitchFamily="49" charset="-122"/>
-                <a:ea typeface="仿宋" panose="02010609060101010101" pitchFamily="49" charset="-122"/>
-              </a:rPr>
-              <a:t>NLP</a:t>
-            </a:r>
-            <a:r>
-              <a:rPr lang="zh-CN" altLang="en-US" sz="4400" b="1" dirty="0">
-                <a:latin typeface="仿宋" panose="02010609060101010101" pitchFamily="49" charset="-122"/>
-                <a:ea typeface="仿宋" panose="02010609060101010101" pitchFamily="49" charset="-122"/>
-              </a:rPr>
-              <a:t>：基于</a:t>
+              <a:t>关键字与摘要：基于</a:t>
             </a:r>
             <a:r>
               <a:rPr lang="en-US" altLang="zh-CN" sz="4400" b="1" dirty="0" err="1">
